--- a/src/main/resources/Apresentação.pptx
+++ b/src/main/resources/Apresentação.pptx
@@ -7,10 +7,13 @@
   <p:sldIdLst>
     <p:sldId id="256" r:id="rId2"/>
     <p:sldId id="258" r:id="rId3"/>
-    <p:sldId id="257" r:id="rId4"/>
-    <p:sldId id="261" r:id="rId5"/>
-    <p:sldId id="259" r:id="rId6"/>
-    <p:sldId id="260" r:id="rId7"/>
+    <p:sldId id="262" r:id="rId4"/>
+    <p:sldId id="263" r:id="rId5"/>
+    <p:sldId id="264" r:id="rId6"/>
+    <p:sldId id="257" r:id="rId7"/>
+    <p:sldId id="261" r:id="rId8"/>
+    <p:sldId id="259" r:id="rId9"/>
+    <p:sldId id="260" r:id="rId10"/>
   </p:sldIdLst>
   <p:sldSz cx="12192000" cy="6858000"/>
   <p:notesSz cx="6858000" cy="9144000"/>
@@ -109,6 +112,11 @@
       </a:defRPr>
     </a:lvl9pPr>
   </p:defaultTextStyle>
+  <p:extLst>
+    <p:ext uri="{EFAFB233-063F-42B5-8137-9DF3F51BA10A}">
+      <p15:sldGuideLst xmlns:p15="http://schemas.microsoft.com/office/powerpoint/2012/main"/>
+    </p:ext>
+  </p:extLst>
 </p:presentation>
 </file>
 
@@ -243,7 +251,7 @@
           <a:p>
             <a:fld id="{D7A42906-0894-4B69-900C-D6C0D8193AA1}" type="datetimeFigureOut">
               <a:rPr lang="pt-BR" smtClean="0"/>
-              <a:t>14/05/2019</a:t>
+              <a:t>15/05/2019</a:t>
             </a:fld>
             <a:endParaRPr lang="pt-BR"/>
           </a:p>
@@ -413,7 +421,7 @@
           <a:p>
             <a:fld id="{D7A42906-0894-4B69-900C-D6C0D8193AA1}" type="datetimeFigureOut">
               <a:rPr lang="pt-BR" smtClean="0"/>
-              <a:t>14/05/2019</a:t>
+              <a:t>15/05/2019</a:t>
             </a:fld>
             <a:endParaRPr lang="pt-BR"/>
           </a:p>
@@ -593,7 +601,7 @@
           <a:p>
             <a:fld id="{D7A42906-0894-4B69-900C-D6C0D8193AA1}" type="datetimeFigureOut">
               <a:rPr lang="pt-BR" smtClean="0"/>
-              <a:t>14/05/2019</a:t>
+              <a:t>15/05/2019</a:t>
             </a:fld>
             <a:endParaRPr lang="pt-BR"/>
           </a:p>
@@ -763,7 +771,7 @@
           <a:p>
             <a:fld id="{D7A42906-0894-4B69-900C-D6C0D8193AA1}" type="datetimeFigureOut">
               <a:rPr lang="pt-BR" smtClean="0"/>
-              <a:t>14/05/2019</a:t>
+              <a:t>15/05/2019</a:t>
             </a:fld>
             <a:endParaRPr lang="pt-BR"/>
           </a:p>
@@ -1009,7 +1017,7 @@
           <a:p>
             <a:fld id="{D7A42906-0894-4B69-900C-D6C0D8193AA1}" type="datetimeFigureOut">
               <a:rPr lang="pt-BR" smtClean="0"/>
-              <a:t>14/05/2019</a:t>
+              <a:t>15/05/2019</a:t>
             </a:fld>
             <a:endParaRPr lang="pt-BR"/>
           </a:p>
@@ -1241,7 +1249,7 @@
           <a:p>
             <a:fld id="{D7A42906-0894-4B69-900C-D6C0D8193AA1}" type="datetimeFigureOut">
               <a:rPr lang="pt-BR" smtClean="0"/>
-              <a:t>14/05/2019</a:t>
+              <a:t>15/05/2019</a:t>
             </a:fld>
             <a:endParaRPr lang="pt-BR"/>
           </a:p>
@@ -1608,7 +1616,7 @@
           <a:p>
             <a:fld id="{D7A42906-0894-4B69-900C-D6C0D8193AA1}" type="datetimeFigureOut">
               <a:rPr lang="pt-BR" smtClean="0"/>
-              <a:t>14/05/2019</a:t>
+              <a:t>15/05/2019</a:t>
             </a:fld>
             <a:endParaRPr lang="pt-BR"/>
           </a:p>
@@ -1726,7 +1734,7 @@
           <a:p>
             <a:fld id="{D7A42906-0894-4B69-900C-D6C0D8193AA1}" type="datetimeFigureOut">
               <a:rPr lang="pt-BR" smtClean="0"/>
-              <a:t>14/05/2019</a:t>
+              <a:t>15/05/2019</a:t>
             </a:fld>
             <a:endParaRPr lang="pt-BR"/>
           </a:p>
@@ -1821,7 +1829,7 @@
           <a:p>
             <a:fld id="{D7A42906-0894-4B69-900C-D6C0D8193AA1}" type="datetimeFigureOut">
               <a:rPr lang="pt-BR" smtClean="0"/>
-              <a:t>14/05/2019</a:t>
+              <a:t>15/05/2019</a:t>
             </a:fld>
             <a:endParaRPr lang="pt-BR"/>
           </a:p>
@@ -2098,7 +2106,7 @@
           <a:p>
             <a:fld id="{D7A42906-0894-4B69-900C-D6C0D8193AA1}" type="datetimeFigureOut">
               <a:rPr lang="pt-BR" smtClean="0"/>
-              <a:t>14/05/2019</a:t>
+              <a:t>15/05/2019</a:t>
             </a:fld>
             <a:endParaRPr lang="pt-BR"/>
           </a:p>
@@ -2351,7 +2359,7 @@
           <a:p>
             <a:fld id="{D7A42906-0894-4B69-900C-D6C0D8193AA1}" type="datetimeFigureOut">
               <a:rPr lang="pt-BR" smtClean="0"/>
-              <a:t>14/05/2019</a:t>
+              <a:t>15/05/2019</a:t>
             </a:fld>
             <a:endParaRPr lang="pt-BR"/>
           </a:p>
@@ -2564,7 +2572,7 @@
           <a:p>
             <a:fld id="{D7A42906-0894-4B69-900C-D6C0D8193AA1}" type="datetimeFigureOut">
               <a:rPr lang="pt-BR" smtClean="0"/>
-              <a:t>14/05/2019</a:t>
+              <a:t>15/05/2019</a:t>
             </a:fld>
             <a:endParaRPr lang="pt-BR"/>
           </a:p>
@@ -3447,6 +3455,600 @@
       </p:sp>
       <p:pic>
         <p:nvPicPr>
+          <p:cNvPr id="7" name="Imagem 6"/>
+          <p:cNvPicPr>
+            <a:picLocks noChangeAspect="1"/>
+          </p:cNvPicPr>
+          <p:nvPr/>
+        </p:nvPicPr>
+        <p:blipFill>
+          <a:blip r:embed="rId4"/>
+          <a:stretch>
+            <a:fillRect/>
+          </a:stretch>
+        </p:blipFill>
+        <p:spPr>
+          <a:xfrm>
+            <a:off x="2418621" y="1428294"/>
+            <a:ext cx="7453511" cy="4667706"/>
+          </a:xfrm>
+          <a:prstGeom prst="rect">
+            <a:avLst/>
+          </a:prstGeom>
+        </p:spPr>
+      </p:pic>
+    </p:spTree>
+    <p:extLst>
+      <p:ext uri="{BB962C8B-B14F-4D97-AF65-F5344CB8AC3E}">
+        <p14:creationId xmlns:p14="http://schemas.microsoft.com/office/powerpoint/2010/main" val="3339615162"/>
+      </p:ext>
+    </p:extLst>
+  </p:cSld>
+  <p:clrMapOvr>
+    <a:masterClrMapping/>
+  </p:clrMapOvr>
+  <p:timing>
+    <p:tnLst>
+      <p:par>
+        <p:cTn id="1" dur="indefinite" restart="never" nodeType="tmRoot"/>
+      </p:par>
+    </p:tnLst>
+  </p:timing>
+</p:sld>
+</file>
+
+<file path=ppt/slides/slide4.xml><?xml version="1.0" encoding="utf-8"?>
+<p:sld xmlns:a="http://schemas.openxmlformats.org/drawingml/2006/main" xmlns:r="http://schemas.openxmlformats.org/officeDocument/2006/relationships" xmlns:p="http://schemas.openxmlformats.org/presentationml/2006/main">
+  <p:cSld>
+    <p:spTree>
+      <p:nvGrpSpPr>
+        <p:cNvPr id="1" name=""/>
+        <p:cNvGrpSpPr/>
+        <p:nvPr/>
+      </p:nvGrpSpPr>
+      <p:grpSpPr>
+        <a:xfrm>
+          <a:off x="0" y="0"/>
+          <a:ext cx="0" cy="0"/>
+          <a:chOff x="0" y="0"/>
+          <a:chExt cx="0" cy="0"/>
+        </a:xfrm>
+      </p:grpSpPr>
+      <p:pic>
+        <p:nvPicPr>
+          <p:cNvPr id="4" name="Imagem 3"/>
+          <p:cNvPicPr>
+            <a:picLocks noChangeAspect="1"/>
+          </p:cNvPicPr>
+          <p:nvPr/>
+        </p:nvPicPr>
+        <p:blipFill>
+          <a:blip r:embed="rId2"/>
+          <a:stretch>
+            <a:fillRect/>
+          </a:stretch>
+        </p:blipFill>
+        <p:spPr>
+          <a:xfrm>
+            <a:off x="0" y="0"/>
+            <a:ext cx="12192000" cy="6858000"/>
+          </a:xfrm>
+          <a:prstGeom prst="rect">
+            <a:avLst/>
+          </a:prstGeom>
+        </p:spPr>
+      </p:pic>
+      <p:pic>
+        <p:nvPicPr>
+          <p:cNvPr id="6" name="Imagem 5"/>
+          <p:cNvPicPr>
+            <a:picLocks noChangeAspect="1"/>
+          </p:cNvPicPr>
+          <p:nvPr/>
+        </p:nvPicPr>
+        <p:blipFill>
+          <a:blip r:embed="rId3"/>
+          <a:stretch>
+            <a:fillRect/>
+          </a:stretch>
+        </p:blipFill>
+        <p:spPr>
+          <a:xfrm>
+            <a:off x="393385" y="277911"/>
+            <a:ext cx="1653130" cy="494263"/>
+          </a:xfrm>
+          <a:prstGeom prst="rect">
+            <a:avLst/>
+          </a:prstGeom>
+        </p:spPr>
+      </p:pic>
+      <p:sp>
+        <p:nvSpPr>
+          <p:cNvPr id="5" name="Retângulo 4"/>
+          <p:cNvSpPr/>
+          <p:nvPr/>
+        </p:nvSpPr>
+        <p:spPr>
+          <a:xfrm>
+            <a:off x="569825" y="728560"/>
+            <a:ext cx="1476690" cy="246221"/>
+          </a:xfrm>
+          <a:prstGeom prst="rect">
+            <a:avLst/>
+          </a:prstGeom>
+        </p:spPr>
+        <p:txBody>
+          <a:bodyPr wrap="square">
+            <a:spAutoFit/>
+          </a:bodyPr>
+          <a:lstStyle/>
+          <a:p>
+            <a:r>
+              <a:rPr lang="pt-BR" sz="1000" dirty="0" smtClean="0">
+                <a:solidFill>
+                  <a:schemeClr val="bg2">
+                    <a:lumMod val="90000"/>
+                  </a:schemeClr>
+                </a:solidFill>
+              </a:rPr>
+              <a:t>https://www.drools.org/</a:t>
+            </a:r>
+            <a:endParaRPr lang="pt-BR" sz="1000" dirty="0">
+              <a:solidFill>
+                <a:schemeClr val="bg2">
+                  <a:lumMod val="90000"/>
+                </a:schemeClr>
+              </a:solidFill>
+            </a:endParaRPr>
+          </a:p>
+        </p:txBody>
+      </p:sp>
+      <p:sp>
+        <p:nvSpPr>
+          <p:cNvPr id="2" name="Retângulo 1"/>
+          <p:cNvSpPr/>
+          <p:nvPr/>
+        </p:nvSpPr>
+        <p:spPr>
+          <a:xfrm>
+            <a:off x="393385" y="1997839"/>
+            <a:ext cx="11684315" cy="3416320"/>
+          </a:xfrm>
+          <a:prstGeom prst="rect">
+            <a:avLst/>
+          </a:prstGeom>
+        </p:spPr>
+        <p:txBody>
+          <a:bodyPr wrap="square">
+            <a:spAutoFit/>
+          </a:bodyPr>
+          <a:lstStyle/>
+          <a:p>
+            <a:pPr algn="just"/>
+            <a:r>
+              <a:rPr lang="pt-BR" dirty="0"/>
+              <a:t>Anatomia de um BRMS </a:t>
+            </a:r>
+            <a:r>
+              <a:rPr lang="pt-BR" dirty="0" err="1"/>
+              <a:t>BRMS</a:t>
+            </a:r>
+            <a:r>
+              <a:rPr lang="pt-BR" dirty="0"/>
+              <a:t> (Business </a:t>
+            </a:r>
+            <a:r>
+              <a:rPr lang="pt-BR" dirty="0" err="1"/>
+              <a:t>Rules</a:t>
+            </a:r>
+            <a:r>
+              <a:rPr lang="pt-BR" dirty="0"/>
+              <a:t> Management Systems) pode ser definido como um conjunto de ferramentas para apoio à gestão de regras de negócio que permite a criação, registro, classificação, verificação, desenvolvimento e execução de regras. </a:t>
+            </a:r>
+            <a:r>
+              <a:rPr lang="pt-BR" dirty="0" smtClean="0"/>
+              <a:t>A arquitetura </a:t>
+            </a:r>
+            <a:r>
+              <a:rPr lang="pt-BR" dirty="0"/>
+              <a:t>de um BRMS consiste dos seguintes sete </a:t>
+            </a:r>
+            <a:r>
+              <a:rPr lang="pt-BR" dirty="0" smtClean="0"/>
+              <a:t>componentes: </a:t>
+            </a:r>
+          </a:p>
+          <a:p>
+            <a:pPr algn="just"/>
+            <a:endParaRPr lang="pt-BR" dirty="0"/>
+          </a:p>
+          <a:p>
+            <a:pPr algn="just"/>
+            <a:endParaRPr lang="pt-BR" dirty="0" smtClean="0"/>
+          </a:p>
+          <a:p>
+            <a:pPr marL="1657350" lvl="3" indent="-285750" algn="just">
+              <a:buFont typeface="Arial" panose="020B0604020202020204" pitchFamily="34" charset="0"/>
+              <a:buChar char="•"/>
+            </a:pPr>
+            <a:r>
+              <a:rPr lang="pt-BR" dirty="0" smtClean="0"/>
+              <a:t>Motor </a:t>
+            </a:r>
+            <a:r>
+              <a:rPr lang="pt-BR" dirty="0"/>
+              <a:t>de execução </a:t>
+            </a:r>
+            <a:endParaRPr lang="pt-BR" dirty="0" smtClean="0"/>
+          </a:p>
+          <a:p>
+            <a:pPr marL="1657350" lvl="3" indent="-285750" algn="just">
+              <a:buFont typeface="Arial" panose="020B0604020202020204" pitchFamily="34" charset="0"/>
+              <a:buChar char="•"/>
+            </a:pPr>
+            <a:r>
+              <a:rPr lang="pt-BR" dirty="0" smtClean="0"/>
+              <a:t>Repositório </a:t>
+            </a:r>
+          </a:p>
+          <a:p>
+            <a:pPr marL="1657350" lvl="3" indent="-285750" algn="just">
+              <a:buFont typeface="Arial" panose="020B0604020202020204" pitchFamily="34" charset="0"/>
+              <a:buChar char="•"/>
+            </a:pPr>
+            <a:r>
+              <a:rPr lang="pt-BR" dirty="0" smtClean="0"/>
+              <a:t>Ambiente </a:t>
+            </a:r>
+            <a:r>
+              <a:rPr lang="pt-BR" dirty="0"/>
+              <a:t>de desenvolvimento integrado </a:t>
+            </a:r>
+            <a:endParaRPr lang="pt-BR" dirty="0" smtClean="0"/>
+          </a:p>
+          <a:p>
+            <a:pPr marL="1657350" lvl="3" indent="-285750" algn="just">
+              <a:buFont typeface="Arial" panose="020B0604020202020204" pitchFamily="34" charset="0"/>
+              <a:buChar char="•"/>
+            </a:pPr>
+            <a:r>
+              <a:rPr lang="pt-BR" dirty="0" smtClean="0"/>
+              <a:t>Modelo </a:t>
+            </a:r>
+            <a:r>
+              <a:rPr lang="pt-BR" dirty="0"/>
+              <a:t>de simulação de regras </a:t>
+            </a:r>
+            <a:endParaRPr lang="pt-BR" dirty="0" smtClean="0"/>
+          </a:p>
+          <a:p>
+            <a:pPr marL="1657350" lvl="3" indent="-285750" algn="just">
+              <a:buFont typeface="Arial" panose="020B0604020202020204" pitchFamily="34" charset="0"/>
+              <a:buChar char="•"/>
+            </a:pPr>
+            <a:r>
+              <a:rPr lang="pt-BR" dirty="0" smtClean="0"/>
+              <a:t>Monitoramento </a:t>
+            </a:r>
+            <a:r>
+              <a:rPr lang="pt-BR" dirty="0"/>
+              <a:t>e análise </a:t>
+            </a:r>
+            <a:endParaRPr lang="pt-BR" dirty="0" smtClean="0"/>
+          </a:p>
+          <a:p>
+            <a:pPr marL="1657350" lvl="3" indent="-285750" algn="just">
+              <a:buFont typeface="Arial" panose="020B0604020202020204" pitchFamily="34" charset="0"/>
+              <a:buChar char="•"/>
+            </a:pPr>
+            <a:r>
+              <a:rPr lang="pt-BR" dirty="0" smtClean="0"/>
+              <a:t>Gestão </a:t>
+            </a:r>
+            <a:r>
+              <a:rPr lang="pt-BR" dirty="0"/>
+              <a:t>e administração </a:t>
+            </a:r>
+            <a:endParaRPr lang="pt-BR" dirty="0" smtClean="0"/>
+          </a:p>
+          <a:p>
+            <a:pPr marL="1657350" lvl="3" indent="-285750" algn="just">
+              <a:buFont typeface="Arial" panose="020B0604020202020204" pitchFamily="34" charset="0"/>
+              <a:buChar char="•"/>
+            </a:pPr>
+            <a:r>
+              <a:rPr lang="pt-BR" dirty="0" err="1" smtClean="0"/>
+              <a:t>Template</a:t>
+            </a:r>
+            <a:r>
+              <a:rPr lang="pt-BR" dirty="0" smtClean="0"/>
+              <a:t> </a:t>
+            </a:r>
+            <a:r>
+              <a:rPr lang="pt-BR" dirty="0"/>
+              <a:t>de regras</a:t>
+            </a:r>
+          </a:p>
+        </p:txBody>
+      </p:sp>
+    </p:spTree>
+    <p:extLst>
+      <p:ext uri="{BB962C8B-B14F-4D97-AF65-F5344CB8AC3E}">
+        <p14:creationId xmlns:p14="http://schemas.microsoft.com/office/powerpoint/2010/main" val="773315229"/>
+      </p:ext>
+    </p:extLst>
+  </p:cSld>
+  <p:clrMapOvr>
+    <a:masterClrMapping/>
+  </p:clrMapOvr>
+  <p:timing>
+    <p:tnLst>
+      <p:par>
+        <p:cTn id="1" dur="indefinite" restart="never" nodeType="tmRoot"/>
+      </p:par>
+    </p:tnLst>
+  </p:timing>
+</p:sld>
+</file>
+
+<file path=ppt/slides/slide5.xml><?xml version="1.0" encoding="utf-8"?>
+<p:sld xmlns:a="http://schemas.openxmlformats.org/drawingml/2006/main" xmlns:r="http://schemas.openxmlformats.org/officeDocument/2006/relationships" xmlns:p="http://schemas.openxmlformats.org/presentationml/2006/main">
+  <p:cSld>
+    <p:spTree>
+      <p:nvGrpSpPr>
+        <p:cNvPr id="1" name=""/>
+        <p:cNvGrpSpPr/>
+        <p:nvPr/>
+      </p:nvGrpSpPr>
+      <p:grpSpPr>
+        <a:xfrm>
+          <a:off x="0" y="0"/>
+          <a:ext cx="0" cy="0"/>
+          <a:chOff x="0" y="0"/>
+          <a:chExt cx="0" cy="0"/>
+        </a:xfrm>
+      </p:grpSpPr>
+      <p:pic>
+        <p:nvPicPr>
+          <p:cNvPr id="4" name="Imagem 3"/>
+          <p:cNvPicPr>
+            <a:picLocks noChangeAspect="1"/>
+          </p:cNvPicPr>
+          <p:nvPr/>
+        </p:nvPicPr>
+        <p:blipFill>
+          <a:blip r:embed="rId2"/>
+          <a:stretch>
+            <a:fillRect/>
+          </a:stretch>
+        </p:blipFill>
+        <p:spPr>
+          <a:xfrm>
+            <a:off x="0" y="0"/>
+            <a:ext cx="12192000" cy="6858000"/>
+          </a:xfrm>
+          <a:prstGeom prst="rect">
+            <a:avLst/>
+          </a:prstGeom>
+        </p:spPr>
+      </p:pic>
+      <p:pic>
+        <p:nvPicPr>
+          <p:cNvPr id="6" name="Imagem 5"/>
+          <p:cNvPicPr>
+            <a:picLocks noChangeAspect="1"/>
+          </p:cNvPicPr>
+          <p:nvPr/>
+        </p:nvPicPr>
+        <p:blipFill>
+          <a:blip r:embed="rId3"/>
+          <a:stretch>
+            <a:fillRect/>
+          </a:stretch>
+        </p:blipFill>
+        <p:spPr>
+          <a:xfrm>
+            <a:off x="393385" y="277911"/>
+            <a:ext cx="1653130" cy="494263"/>
+          </a:xfrm>
+          <a:prstGeom prst="rect">
+            <a:avLst/>
+          </a:prstGeom>
+        </p:spPr>
+      </p:pic>
+      <p:sp>
+        <p:nvSpPr>
+          <p:cNvPr id="5" name="Retângulo 4"/>
+          <p:cNvSpPr/>
+          <p:nvPr/>
+        </p:nvSpPr>
+        <p:spPr>
+          <a:xfrm>
+            <a:off x="569825" y="728560"/>
+            <a:ext cx="1476690" cy="246221"/>
+          </a:xfrm>
+          <a:prstGeom prst="rect">
+            <a:avLst/>
+          </a:prstGeom>
+        </p:spPr>
+        <p:txBody>
+          <a:bodyPr wrap="square">
+            <a:spAutoFit/>
+          </a:bodyPr>
+          <a:lstStyle/>
+          <a:p>
+            <a:r>
+              <a:rPr lang="pt-BR" sz="1000" dirty="0" smtClean="0">
+                <a:solidFill>
+                  <a:schemeClr val="bg2">
+                    <a:lumMod val="90000"/>
+                  </a:schemeClr>
+                </a:solidFill>
+              </a:rPr>
+              <a:t>https://www.drools.org/</a:t>
+            </a:r>
+            <a:endParaRPr lang="pt-BR" sz="1000" dirty="0">
+              <a:solidFill>
+                <a:schemeClr val="bg2">
+                  <a:lumMod val="90000"/>
+                </a:schemeClr>
+              </a:solidFill>
+            </a:endParaRPr>
+          </a:p>
+        </p:txBody>
+      </p:sp>
+      <p:pic>
+        <p:nvPicPr>
+          <p:cNvPr id="3" name="Imagem 2"/>
+          <p:cNvPicPr>
+            <a:picLocks noChangeAspect="1"/>
+          </p:cNvPicPr>
+          <p:nvPr/>
+        </p:nvPicPr>
+        <p:blipFill>
+          <a:blip r:embed="rId4"/>
+          <a:stretch>
+            <a:fillRect/>
+          </a:stretch>
+        </p:blipFill>
+        <p:spPr>
+          <a:xfrm>
+            <a:off x="2695248" y="1114076"/>
+            <a:ext cx="6801503" cy="4629848"/>
+          </a:xfrm>
+          <a:prstGeom prst="rect">
+            <a:avLst/>
+          </a:prstGeom>
+        </p:spPr>
+      </p:pic>
+    </p:spTree>
+    <p:extLst>
+      <p:ext uri="{BB962C8B-B14F-4D97-AF65-F5344CB8AC3E}">
+        <p14:creationId xmlns:p14="http://schemas.microsoft.com/office/powerpoint/2010/main" val="3510864898"/>
+      </p:ext>
+    </p:extLst>
+  </p:cSld>
+  <p:clrMapOvr>
+    <a:masterClrMapping/>
+  </p:clrMapOvr>
+  <p:timing>
+    <p:tnLst>
+      <p:par>
+        <p:cTn id="1" dur="indefinite" restart="never" nodeType="tmRoot"/>
+      </p:par>
+    </p:tnLst>
+  </p:timing>
+</p:sld>
+</file>
+
+<file path=ppt/slides/slide6.xml><?xml version="1.0" encoding="utf-8"?>
+<p:sld xmlns:a="http://schemas.openxmlformats.org/drawingml/2006/main" xmlns:r="http://schemas.openxmlformats.org/officeDocument/2006/relationships" xmlns:p="http://schemas.openxmlformats.org/presentationml/2006/main">
+  <p:cSld>
+    <p:spTree>
+      <p:nvGrpSpPr>
+        <p:cNvPr id="1" name=""/>
+        <p:cNvGrpSpPr/>
+        <p:nvPr/>
+      </p:nvGrpSpPr>
+      <p:grpSpPr>
+        <a:xfrm>
+          <a:off x="0" y="0"/>
+          <a:ext cx="0" cy="0"/>
+          <a:chOff x="0" y="0"/>
+          <a:chExt cx="0" cy="0"/>
+        </a:xfrm>
+      </p:grpSpPr>
+      <p:pic>
+        <p:nvPicPr>
+          <p:cNvPr id="4" name="Imagem 3"/>
+          <p:cNvPicPr>
+            <a:picLocks noChangeAspect="1"/>
+          </p:cNvPicPr>
+          <p:nvPr/>
+        </p:nvPicPr>
+        <p:blipFill>
+          <a:blip r:embed="rId2"/>
+          <a:stretch>
+            <a:fillRect/>
+          </a:stretch>
+        </p:blipFill>
+        <p:spPr>
+          <a:xfrm>
+            <a:off x="0" y="0"/>
+            <a:ext cx="12192000" cy="6858000"/>
+          </a:xfrm>
+          <a:prstGeom prst="rect">
+            <a:avLst/>
+          </a:prstGeom>
+        </p:spPr>
+      </p:pic>
+      <p:pic>
+        <p:nvPicPr>
+          <p:cNvPr id="6" name="Imagem 5"/>
+          <p:cNvPicPr>
+            <a:picLocks noChangeAspect="1"/>
+          </p:cNvPicPr>
+          <p:nvPr/>
+        </p:nvPicPr>
+        <p:blipFill>
+          <a:blip r:embed="rId3"/>
+          <a:stretch>
+            <a:fillRect/>
+          </a:stretch>
+        </p:blipFill>
+        <p:spPr>
+          <a:xfrm>
+            <a:off x="393385" y="277911"/>
+            <a:ext cx="1653130" cy="494263"/>
+          </a:xfrm>
+          <a:prstGeom prst="rect">
+            <a:avLst/>
+          </a:prstGeom>
+        </p:spPr>
+      </p:pic>
+      <p:sp>
+        <p:nvSpPr>
+          <p:cNvPr id="5" name="Retângulo 4"/>
+          <p:cNvSpPr/>
+          <p:nvPr/>
+        </p:nvSpPr>
+        <p:spPr>
+          <a:xfrm>
+            <a:off x="569825" y="728560"/>
+            <a:ext cx="1476690" cy="246221"/>
+          </a:xfrm>
+          <a:prstGeom prst="rect">
+            <a:avLst/>
+          </a:prstGeom>
+        </p:spPr>
+        <p:txBody>
+          <a:bodyPr wrap="square">
+            <a:spAutoFit/>
+          </a:bodyPr>
+          <a:lstStyle/>
+          <a:p>
+            <a:r>
+              <a:rPr lang="pt-BR" sz="1000" dirty="0" smtClean="0">
+                <a:solidFill>
+                  <a:schemeClr val="bg2">
+                    <a:lumMod val="90000"/>
+                  </a:schemeClr>
+                </a:solidFill>
+              </a:rPr>
+              <a:t>https://www.drools.org/</a:t>
+            </a:r>
+            <a:endParaRPr lang="pt-BR" sz="1000" dirty="0">
+              <a:solidFill>
+                <a:schemeClr val="bg2">
+                  <a:lumMod val="90000"/>
+                </a:schemeClr>
+              </a:solidFill>
+            </a:endParaRPr>
+          </a:p>
+        </p:txBody>
+      </p:sp>
+      <p:pic>
+        <p:nvPicPr>
           <p:cNvPr id="1026" name="Picture 2" descr="https://lh3.googleusercontent.com/lhb2WN51rhGQhlVjK_SvpkrT_uyAC-FAaMFKi1a7zfxNDCG11V0gpnmnDy8GJwFOYPr4uwMDL81xUCfOS9y7SOy-Jx-FVc28bxWGK4KPuVKGXkUmK5d-XGKs6YtZQoYuKp6oQlqoB9tsdYbEGQNsN8NEKZFShtPqK0g8uh5UZutvlxtvSAZkosjPEuu0rybm5AQhmpoTi_pBxZVeYUmqklXK1xgi5DGoxSYferUKcHlGjM8QOFy2A4-AnOlfJDjDMGBkr9CrUzqKmvxPLYfSx3CfGVkm5Uieg8UYPgXfKo-k0qZH58n20LDR1XtHXYbZJkzE8PXSDTmTQw0lVuGtLDsze2si0Emy_1kBPQuXVGynYe78iH7u7RAKb4waIljDw-Zj4a-eCQUg2JXZaJJZ8wPYnIeHitBtIYxr1LjANAciKjU5M4E3j6HTn1rBKw-hw3kYd-z4T8ACsnKcykh7tsITkjKkqFRrGRkkQI-XMW2ff9jaNv0IUphl2RMXjVhbbZZyHfBiLTWPFSCaVtNCmj12BAQWcZJa3ayjKqkWVjGflnQwUJr1MyiEti_fOqP9JTRHfs0AScZkU8lUcaecRwEb0NAjFJslJ-lNtRdbKL8ExAaN3CBHce5GlEpiO9Thjd5EUQJBKdyZD1iDlCjIHr1GKXRpZMX_=w1666-h937-no"/>
           <p:cNvPicPr>
             <a:picLocks noChangeAspect="1" noChangeArrowheads="1"/>
@@ -3676,7 +4278,7 @@
 </p:sld>
 </file>
 
-<file path=ppt/slides/slide4.xml><?xml version="1.0" encoding="utf-8"?>
+<file path=ppt/slides/slide7.xml><?xml version="1.0" encoding="utf-8"?>
 <p:sld xmlns:a="http://schemas.openxmlformats.org/drawingml/2006/main" xmlns:r="http://schemas.openxmlformats.org/officeDocument/2006/relationships" xmlns:p="http://schemas.openxmlformats.org/presentationml/2006/main">
   <p:cSld>
     <p:spTree>
@@ -3805,8 +4407,16 @@
           <a:lstStyle/>
           <a:p>
             <a:r>
+              <a:rPr lang="pt-BR" sz="3600" dirty="0" err="1" smtClean="0"/>
+              <a:t>Drools</a:t>
+            </a:r>
+            <a:r>
               <a:rPr lang="pt-BR" sz="3600" dirty="0" smtClean="0"/>
-              <a:t>Integra-se com:</a:t>
+              <a:t> integra-se </a:t>
+            </a:r>
+            <a:r>
+              <a:rPr lang="pt-BR" sz="3600" dirty="0" smtClean="0"/>
+              <a:t>com:</a:t>
             </a:r>
           </a:p>
           <a:p>
@@ -3964,7 +4574,7 @@
 </p:sld>
 </file>
 
-<file path=ppt/slides/slide5.xml><?xml version="1.0" encoding="utf-8"?>
+<file path=ppt/slides/slide8.xml><?xml version="1.0" encoding="utf-8"?>
 <p:sld xmlns:a="http://schemas.openxmlformats.org/drawingml/2006/main" xmlns:r="http://schemas.openxmlformats.org/officeDocument/2006/relationships" xmlns:p="http://schemas.openxmlformats.org/presentationml/2006/main">
   <p:cSld>
     <p:spTree>
@@ -4531,7 +5141,7 @@
 </p:sld>
 </file>
 
-<file path=ppt/slides/slide6.xml><?xml version="1.0" encoding="utf-8"?>
+<file path=ppt/slides/slide9.xml><?xml version="1.0" encoding="utf-8"?>
 <p:sld xmlns:a="http://schemas.openxmlformats.org/drawingml/2006/main" xmlns:r="http://schemas.openxmlformats.org/officeDocument/2006/relationships" xmlns:p="http://schemas.openxmlformats.org/presentationml/2006/main">
   <p:cSld>
     <p:spTree>
